--- a/ppt 16-9/1449.罪人快悔改.pptx
+++ b/ppt 16-9/1449.罪人快悔改.pptx
@@ -5,7 +5,7 @@
     <p:sldMasterId id="2147483648" r:id="rId1"/>
   </p:sldMasterIdLst>
   <p:sldIdLst>
-    <p:sldId id="1020" r:id="rId2"/>
+    <p:sldId id="1021" r:id="rId2"/>
   </p:sldIdLst>
   <p:sldSz cx="12192000" cy="6858000"/>
   <p:notesSz cx="6858000" cy="9144000"/>
@@ -129,7 +129,7 @@
           <p:cNvPr id="2" name="标题 1">
             <a:extLst>
               <a:ext uri="{FF2B5EF4-FFF2-40B4-BE49-F238E27FC236}">
-                <a16:creationId xmlns:a16="http://schemas.microsoft.com/office/drawing/2014/main" id="{476197CA-B743-6EB4-B000-45C84EC2175D}"/>
+                <a16:creationId xmlns:a16="http://schemas.microsoft.com/office/drawing/2014/main" id="{82487577-25F7-34BC-AC8C-66A132851343}"/>
               </a:ext>
             </a:extLst>
           </p:cNvPr>
@@ -166,7 +166,7 @@
           <p:cNvPr id="3" name="副标题 2">
             <a:extLst>
               <a:ext uri="{FF2B5EF4-FFF2-40B4-BE49-F238E27FC236}">
-                <a16:creationId xmlns:a16="http://schemas.microsoft.com/office/drawing/2014/main" id="{B6F756A9-AE02-40D0-890F-5E3B7C508D56}"/>
+                <a16:creationId xmlns:a16="http://schemas.microsoft.com/office/drawing/2014/main" id="{4F0411D7-40AD-6758-46EE-F318BF848B38}"/>
               </a:ext>
             </a:extLst>
           </p:cNvPr>
@@ -236,7 +236,7 @@
           <p:cNvPr id="4" name="日期占位符 3">
             <a:extLst>
               <a:ext uri="{FF2B5EF4-FFF2-40B4-BE49-F238E27FC236}">
-                <a16:creationId xmlns:a16="http://schemas.microsoft.com/office/drawing/2014/main" id="{F1419DD3-4944-570A-FD4C-6D826121B3E0}"/>
+                <a16:creationId xmlns:a16="http://schemas.microsoft.com/office/drawing/2014/main" id="{1AD29F49-7717-FCC6-EA34-23B74A54E80F}"/>
               </a:ext>
             </a:extLst>
           </p:cNvPr>
@@ -252,7 +252,7 @@
           <a:bodyPr/>
           <a:lstStyle/>
           <a:p>
-            <a:fld id="{FC3DD180-9D39-4C06-8CFA-A9FA41DADEE6}" type="datetimeFigureOut">
+            <a:fld id="{E0D958A0-BABA-470A-8AEB-37B179D8FA9D}" type="datetimeFigureOut">
               <a:rPr lang="zh-CN" altLang="en-US" smtClean="0"/>
               <a:t>2024/3/10</a:t>
             </a:fld>
@@ -265,7 +265,7 @@
           <p:cNvPr id="5" name="页脚占位符 4">
             <a:extLst>
               <a:ext uri="{FF2B5EF4-FFF2-40B4-BE49-F238E27FC236}">
-                <a16:creationId xmlns:a16="http://schemas.microsoft.com/office/drawing/2014/main" id="{16B18CDE-80D0-3A37-2793-BAAEDB182291}"/>
+                <a16:creationId xmlns:a16="http://schemas.microsoft.com/office/drawing/2014/main" id="{A1B73D40-52B4-6432-72FD-DCA9D2336FC9}"/>
               </a:ext>
             </a:extLst>
           </p:cNvPr>
@@ -290,7 +290,7 @@
           <p:cNvPr id="6" name="灯片编号占位符 5">
             <a:extLst>
               <a:ext uri="{FF2B5EF4-FFF2-40B4-BE49-F238E27FC236}">
-                <a16:creationId xmlns:a16="http://schemas.microsoft.com/office/drawing/2014/main" id="{9916C1DC-D9C3-6083-8DD8-89E44A731B9A}"/>
+                <a16:creationId xmlns:a16="http://schemas.microsoft.com/office/drawing/2014/main" id="{BB2A4F85-CACA-9D25-8970-884BC0E397B5}"/>
               </a:ext>
             </a:extLst>
           </p:cNvPr>
@@ -306,7 +306,7 @@
           <a:bodyPr/>
           <a:lstStyle/>
           <a:p>
-            <a:fld id="{2CB63444-5298-410F-A8D1-1C1C3E77945C}" type="slidenum">
+            <a:fld id="{AA977D06-95C3-4A4B-A514-7C7B8922EEF3}" type="slidenum">
               <a:rPr lang="zh-CN" altLang="en-US" smtClean="0"/>
               <a:t>‹#›</a:t>
             </a:fld>
@@ -317,7 +317,7 @@
     </p:spTree>
     <p:extLst>
       <p:ext uri="{BB962C8B-B14F-4D97-AF65-F5344CB8AC3E}">
-        <p14:creationId xmlns:p14="http://schemas.microsoft.com/office/powerpoint/2010/main" val="3530349011"/>
+        <p14:creationId xmlns:p14="http://schemas.microsoft.com/office/powerpoint/2010/main" val="211220384"/>
       </p:ext>
     </p:extLst>
   </p:cSld>
@@ -349,7 +349,7 @@
           <p:cNvPr id="2" name="标题 1">
             <a:extLst>
               <a:ext uri="{FF2B5EF4-FFF2-40B4-BE49-F238E27FC236}">
-                <a16:creationId xmlns:a16="http://schemas.microsoft.com/office/drawing/2014/main" id="{BC1A98A1-885E-678D-3964-DAFD9838A16A}"/>
+                <a16:creationId xmlns:a16="http://schemas.microsoft.com/office/drawing/2014/main" id="{08CF93FA-3AD7-BAC0-E6F4-5F8E6E07FB41}"/>
               </a:ext>
             </a:extLst>
           </p:cNvPr>
@@ -377,7 +377,7 @@
           <p:cNvPr id="3" name="竖排文字占位符 2">
             <a:extLst>
               <a:ext uri="{FF2B5EF4-FFF2-40B4-BE49-F238E27FC236}">
-                <a16:creationId xmlns:a16="http://schemas.microsoft.com/office/drawing/2014/main" id="{42F6AA38-7383-2099-5547-87ED1CECE64C}"/>
+                <a16:creationId xmlns:a16="http://schemas.microsoft.com/office/drawing/2014/main" id="{96E1E36B-5E67-19C2-BE94-61A69046CA8B}"/>
               </a:ext>
             </a:extLst>
           </p:cNvPr>
@@ -434,7 +434,7 @@
           <p:cNvPr id="4" name="日期占位符 3">
             <a:extLst>
               <a:ext uri="{FF2B5EF4-FFF2-40B4-BE49-F238E27FC236}">
-                <a16:creationId xmlns:a16="http://schemas.microsoft.com/office/drawing/2014/main" id="{5443A39B-4ADF-0F7F-4E30-D613C7F2ADB2}"/>
+                <a16:creationId xmlns:a16="http://schemas.microsoft.com/office/drawing/2014/main" id="{31665E4B-77A8-B4DA-0C07-B5D0172C08EF}"/>
               </a:ext>
             </a:extLst>
           </p:cNvPr>
@@ -450,7 +450,7 @@
           <a:bodyPr/>
           <a:lstStyle/>
           <a:p>
-            <a:fld id="{FC3DD180-9D39-4C06-8CFA-A9FA41DADEE6}" type="datetimeFigureOut">
+            <a:fld id="{E0D958A0-BABA-470A-8AEB-37B179D8FA9D}" type="datetimeFigureOut">
               <a:rPr lang="zh-CN" altLang="en-US" smtClean="0"/>
               <a:t>2024/3/10</a:t>
             </a:fld>
@@ -463,7 +463,7 @@
           <p:cNvPr id="5" name="页脚占位符 4">
             <a:extLst>
               <a:ext uri="{FF2B5EF4-FFF2-40B4-BE49-F238E27FC236}">
-                <a16:creationId xmlns:a16="http://schemas.microsoft.com/office/drawing/2014/main" id="{74036003-7F2D-1CDA-B9EE-65093A8760E0}"/>
+                <a16:creationId xmlns:a16="http://schemas.microsoft.com/office/drawing/2014/main" id="{CAAE624F-FC6F-DA69-8DC6-26E645114ABE}"/>
               </a:ext>
             </a:extLst>
           </p:cNvPr>
@@ -488,7 +488,7 @@
           <p:cNvPr id="6" name="灯片编号占位符 5">
             <a:extLst>
               <a:ext uri="{FF2B5EF4-FFF2-40B4-BE49-F238E27FC236}">
-                <a16:creationId xmlns:a16="http://schemas.microsoft.com/office/drawing/2014/main" id="{20CB306B-3C36-321D-42EA-C097DBDA8DB6}"/>
+                <a16:creationId xmlns:a16="http://schemas.microsoft.com/office/drawing/2014/main" id="{36EDDD7A-FC92-3DF3-81E4-E7F43569E985}"/>
               </a:ext>
             </a:extLst>
           </p:cNvPr>
@@ -504,7 +504,7 @@
           <a:bodyPr/>
           <a:lstStyle/>
           <a:p>
-            <a:fld id="{2CB63444-5298-410F-A8D1-1C1C3E77945C}" type="slidenum">
+            <a:fld id="{AA977D06-95C3-4A4B-A514-7C7B8922EEF3}" type="slidenum">
               <a:rPr lang="zh-CN" altLang="en-US" smtClean="0"/>
               <a:t>‹#›</a:t>
             </a:fld>
@@ -515,7 +515,7 @@
     </p:spTree>
     <p:extLst>
       <p:ext uri="{BB962C8B-B14F-4D97-AF65-F5344CB8AC3E}">
-        <p14:creationId xmlns:p14="http://schemas.microsoft.com/office/powerpoint/2010/main" val="3705931905"/>
+        <p14:creationId xmlns:p14="http://schemas.microsoft.com/office/powerpoint/2010/main" val="1124376214"/>
       </p:ext>
     </p:extLst>
   </p:cSld>
@@ -547,7 +547,7 @@
           <p:cNvPr id="2" name="竖排标题 1">
             <a:extLst>
               <a:ext uri="{FF2B5EF4-FFF2-40B4-BE49-F238E27FC236}">
-                <a16:creationId xmlns:a16="http://schemas.microsoft.com/office/drawing/2014/main" id="{FC115421-3555-CCBF-FD00-C0D772476D39}"/>
+                <a16:creationId xmlns:a16="http://schemas.microsoft.com/office/drawing/2014/main" id="{D93907E7-4A1A-15AD-533B-789016C02B73}"/>
               </a:ext>
             </a:extLst>
           </p:cNvPr>
@@ -580,7 +580,7 @@
           <p:cNvPr id="3" name="竖排文字占位符 2">
             <a:extLst>
               <a:ext uri="{FF2B5EF4-FFF2-40B4-BE49-F238E27FC236}">
-                <a16:creationId xmlns:a16="http://schemas.microsoft.com/office/drawing/2014/main" id="{3745D0B5-D0DF-54EE-AB78-10CFF85E0312}"/>
+                <a16:creationId xmlns:a16="http://schemas.microsoft.com/office/drawing/2014/main" id="{58166FD5-BF05-4878-7C70-FAB83FB64011}"/>
               </a:ext>
             </a:extLst>
           </p:cNvPr>
@@ -642,7 +642,7 @@
           <p:cNvPr id="4" name="日期占位符 3">
             <a:extLst>
               <a:ext uri="{FF2B5EF4-FFF2-40B4-BE49-F238E27FC236}">
-                <a16:creationId xmlns:a16="http://schemas.microsoft.com/office/drawing/2014/main" id="{DBB44D1F-DE86-1906-96AC-4E4937393138}"/>
+                <a16:creationId xmlns:a16="http://schemas.microsoft.com/office/drawing/2014/main" id="{A8AE8954-3592-0DEE-39C5-1C874E73D79B}"/>
               </a:ext>
             </a:extLst>
           </p:cNvPr>
@@ -658,7 +658,7 @@
           <a:bodyPr/>
           <a:lstStyle/>
           <a:p>
-            <a:fld id="{FC3DD180-9D39-4C06-8CFA-A9FA41DADEE6}" type="datetimeFigureOut">
+            <a:fld id="{E0D958A0-BABA-470A-8AEB-37B179D8FA9D}" type="datetimeFigureOut">
               <a:rPr lang="zh-CN" altLang="en-US" smtClean="0"/>
               <a:t>2024/3/10</a:t>
             </a:fld>
@@ -671,7 +671,7 @@
           <p:cNvPr id="5" name="页脚占位符 4">
             <a:extLst>
               <a:ext uri="{FF2B5EF4-FFF2-40B4-BE49-F238E27FC236}">
-                <a16:creationId xmlns:a16="http://schemas.microsoft.com/office/drawing/2014/main" id="{2F28EC35-00F7-7BBA-E19C-9FFCE908106B}"/>
+                <a16:creationId xmlns:a16="http://schemas.microsoft.com/office/drawing/2014/main" id="{6CB5571A-02A1-F85E-5AC0-3E60191BD62D}"/>
               </a:ext>
             </a:extLst>
           </p:cNvPr>
@@ -696,7 +696,7 @@
           <p:cNvPr id="6" name="灯片编号占位符 5">
             <a:extLst>
               <a:ext uri="{FF2B5EF4-FFF2-40B4-BE49-F238E27FC236}">
-                <a16:creationId xmlns:a16="http://schemas.microsoft.com/office/drawing/2014/main" id="{6A16193C-4806-C591-E0EA-6D7537B8271C}"/>
+                <a16:creationId xmlns:a16="http://schemas.microsoft.com/office/drawing/2014/main" id="{027392B6-4007-C86D-6606-D5284ABA414D}"/>
               </a:ext>
             </a:extLst>
           </p:cNvPr>
@@ -712,7 +712,7 @@
           <a:bodyPr/>
           <a:lstStyle/>
           <a:p>
-            <a:fld id="{2CB63444-5298-410F-A8D1-1C1C3E77945C}" type="slidenum">
+            <a:fld id="{AA977D06-95C3-4A4B-A514-7C7B8922EEF3}" type="slidenum">
               <a:rPr lang="zh-CN" altLang="en-US" smtClean="0"/>
               <a:t>‹#›</a:t>
             </a:fld>
@@ -723,7 +723,7 @@
     </p:spTree>
     <p:extLst>
       <p:ext uri="{BB962C8B-B14F-4D97-AF65-F5344CB8AC3E}">
-        <p14:creationId xmlns:p14="http://schemas.microsoft.com/office/powerpoint/2010/main" val="1011522464"/>
+        <p14:creationId xmlns:p14="http://schemas.microsoft.com/office/powerpoint/2010/main" val="3694594792"/>
       </p:ext>
     </p:extLst>
   </p:cSld>
@@ -755,7 +755,7 @@
           <p:cNvPr id="2" name="标题 1">
             <a:extLst>
               <a:ext uri="{FF2B5EF4-FFF2-40B4-BE49-F238E27FC236}">
-                <a16:creationId xmlns:a16="http://schemas.microsoft.com/office/drawing/2014/main" id="{D2CE7686-4591-D460-F658-264D26F332D9}"/>
+                <a16:creationId xmlns:a16="http://schemas.microsoft.com/office/drawing/2014/main" id="{94E4E6BA-0627-4AA3-3B8C-AD58F9221FB4}"/>
               </a:ext>
             </a:extLst>
           </p:cNvPr>
@@ -783,7 +783,7 @@
           <p:cNvPr id="3" name="内容占位符 2">
             <a:extLst>
               <a:ext uri="{FF2B5EF4-FFF2-40B4-BE49-F238E27FC236}">
-                <a16:creationId xmlns:a16="http://schemas.microsoft.com/office/drawing/2014/main" id="{C872E4DD-871F-B3F2-2AB8-6342EE48ED8D}"/>
+                <a16:creationId xmlns:a16="http://schemas.microsoft.com/office/drawing/2014/main" id="{C4D07E38-7D80-3FA1-57E5-1291768C624A}"/>
               </a:ext>
             </a:extLst>
           </p:cNvPr>
@@ -840,7 +840,7 @@
           <p:cNvPr id="4" name="日期占位符 3">
             <a:extLst>
               <a:ext uri="{FF2B5EF4-FFF2-40B4-BE49-F238E27FC236}">
-                <a16:creationId xmlns:a16="http://schemas.microsoft.com/office/drawing/2014/main" id="{AE08F00F-D036-4ECB-C33C-519518A179FD}"/>
+                <a16:creationId xmlns:a16="http://schemas.microsoft.com/office/drawing/2014/main" id="{1E2B0AA0-8122-FA42-E276-7133B3151B62}"/>
               </a:ext>
             </a:extLst>
           </p:cNvPr>
@@ -856,7 +856,7 @@
           <a:bodyPr/>
           <a:lstStyle/>
           <a:p>
-            <a:fld id="{FC3DD180-9D39-4C06-8CFA-A9FA41DADEE6}" type="datetimeFigureOut">
+            <a:fld id="{E0D958A0-BABA-470A-8AEB-37B179D8FA9D}" type="datetimeFigureOut">
               <a:rPr lang="zh-CN" altLang="en-US" smtClean="0"/>
               <a:t>2024/3/10</a:t>
             </a:fld>
@@ -869,7 +869,7 @@
           <p:cNvPr id="5" name="页脚占位符 4">
             <a:extLst>
               <a:ext uri="{FF2B5EF4-FFF2-40B4-BE49-F238E27FC236}">
-                <a16:creationId xmlns:a16="http://schemas.microsoft.com/office/drawing/2014/main" id="{05D60DBA-4B3C-86D3-B2BC-99A8058239FA}"/>
+                <a16:creationId xmlns:a16="http://schemas.microsoft.com/office/drawing/2014/main" id="{08F5B961-7A71-F841-CABA-6FBE699FADF5}"/>
               </a:ext>
             </a:extLst>
           </p:cNvPr>
@@ -894,7 +894,7 @@
           <p:cNvPr id="6" name="灯片编号占位符 5">
             <a:extLst>
               <a:ext uri="{FF2B5EF4-FFF2-40B4-BE49-F238E27FC236}">
-                <a16:creationId xmlns:a16="http://schemas.microsoft.com/office/drawing/2014/main" id="{4C39FE19-F45E-9550-16FB-1D559FFCF932}"/>
+                <a16:creationId xmlns:a16="http://schemas.microsoft.com/office/drawing/2014/main" id="{6B0D036C-D36C-F65C-1477-0617AE4F0228}"/>
               </a:ext>
             </a:extLst>
           </p:cNvPr>
@@ -910,7 +910,7 @@
           <a:bodyPr/>
           <a:lstStyle/>
           <a:p>
-            <a:fld id="{2CB63444-5298-410F-A8D1-1C1C3E77945C}" type="slidenum">
+            <a:fld id="{AA977D06-95C3-4A4B-A514-7C7B8922EEF3}" type="slidenum">
               <a:rPr lang="zh-CN" altLang="en-US" smtClean="0"/>
               <a:t>‹#›</a:t>
             </a:fld>
@@ -921,7 +921,7 @@
     </p:spTree>
     <p:extLst>
       <p:ext uri="{BB962C8B-B14F-4D97-AF65-F5344CB8AC3E}">
-        <p14:creationId xmlns:p14="http://schemas.microsoft.com/office/powerpoint/2010/main" val="3865282831"/>
+        <p14:creationId xmlns:p14="http://schemas.microsoft.com/office/powerpoint/2010/main" val="2410411782"/>
       </p:ext>
     </p:extLst>
   </p:cSld>
@@ -953,7 +953,7 @@
           <p:cNvPr id="2" name="标题 1">
             <a:extLst>
               <a:ext uri="{FF2B5EF4-FFF2-40B4-BE49-F238E27FC236}">
-                <a16:creationId xmlns:a16="http://schemas.microsoft.com/office/drawing/2014/main" id="{FADECA9C-9BDF-5011-A57A-1608342EA27C}"/>
+                <a16:creationId xmlns:a16="http://schemas.microsoft.com/office/drawing/2014/main" id="{38500967-0332-78FB-0F3D-9FAE376AEED9}"/>
               </a:ext>
             </a:extLst>
           </p:cNvPr>
@@ -990,7 +990,7 @@
           <p:cNvPr id="3" name="文本占位符 2">
             <a:extLst>
               <a:ext uri="{FF2B5EF4-FFF2-40B4-BE49-F238E27FC236}">
-                <a16:creationId xmlns:a16="http://schemas.microsoft.com/office/drawing/2014/main" id="{56A3ECF6-1D79-4CB3-A67C-D7A738606D04}"/>
+                <a16:creationId xmlns:a16="http://schemas.microsoft.com/office/drawing/2014/main" id="{00C1B539-39FD-9538-9DDE-9EAE579CCD4A}"/>
               </a:ext>
             </a:extLst>
           </p:cNvPr>
@@ -1115,7 +1115,7 @@
           <p:cNvPr id="4" name="日期占位符 3">
             <a:extLst>
               <a:ext uri="{FF2B5EF4-FFF2-40B4-BE49-F238E27FC236}">
-                <a16:creationId xmlns:a16="http://schemas.microsoft.com/office/drawing/2014/main" id="{629DCFE6-148B-F993-B702-263538A65EEA}"/>
+                <a16:creationId xmlns:a16="http://schemas.microsoft.com/office/drawing/2014/main" id="{0E632AE9-25A7-C6A1-DE4D-80C22EF10241}"/>
               </a:ext>
             </a:extLst>
           </p:cNvPr>
@@ -1131,7 +1131,7 @@
           <a:bodyPr/>
           <a:lstStyle/>
           <a:p>
-            <a:fld id="{FC3DD180-9D39-4C06-8CFA-A9FA41DADEE6}" type="datetimeFigureOut">
+            <a:fld id="{E0D958A0-BABA-470A-8AEB-37B179D8FA9D}" type="datetimeFigureOut">
               <a:rPr lang="zh-CN" altLang="en-US" smtClean="0"/>
               <a:t>2024/3/10</a:t>
             </a:fld>
@@ -1144,7 +1144,7 @@
           <p:cNvPr id="5" name="页脚占位符 4">
             <a:extLst>
               <a:ext uri="{FF2B5EF4-FFF2-40B4-BE49-F238E27FC236}">
-                <a16:creationId xmlns:a16="http://schemas.microsoft.com/office/drawing/2014/main" id="{A179EBB3-B938-FFBF-872D-7027E9309E23}"/>
+                <a16:creationId xmlns:a16="http://schemas.microsoft.com/office/drawing/2014/main" id="{23A2CF04-275B-DEEC-2D39-957F5E2BB9A4}"/>
               </a:ext>
             </a:extLst>
           </p:cNvPr>
@@ -1169,7 +1169,7 @@
           <p:cNvPr id="6" name="灯片编号占位符 5">
             <a:extLst>
               <a:ext uri="{FF2B5EF4-FFF2-40B4-BE49-F238E27FC236}">
-                <a16:creationId xmlns:a16="http://schemas.microsoft.com/office/drawing/2014/main" id="{AD935ECF-7238-44C5-D8E2-108652DBA1B5}"/>
+                <a16:creationId xmlns:a16="http://schemas.microsoft.com/office/drawing/2014/main" id="{C0577CBB-D1C2-6E97-E19E-463A139E6AA1}"/>
               </a:ext>
             </a:extLst>
           </p:cNvPr>
@@ -1185,7 +1185,7 @@
           <a:bodyPr/>
           <a:lstStyle/>
           <a:p>
-            <a:fld id="{2CB63444-5298-410F-A8D1-1C1C3E77945C}" type="slidenum">
+            <a:fld id="{AA977D06-95C3-4A4B-A514-7C7B8922EEF3}" type="slidenum">
               <a:rPr lang="zh-CN" altLang="en-US" smtClean="0"/>
               <a:t>‹#›</a:t>
             </a:fld>
@@ -1196,7 +1196,7 @@
     </p:spTree>
     <p:extLst>
       <p:ext uri="{BB962C8B-B14F-4D97-AF65-F5344CB8AC3E}">
-        <p14:creationId xmlns:p14="http://schemas.microsoft.com/office/powerpoint/2010/main" val="687199604"/>
+        <p14:creationId xmlns:p14="http://schemas.microsoft.com/office/powerpoint/2010/main" val="131918862"/>
       </p:ext>
     </p:extLst>
   </p:cSld>
@@ -1228,7 +1228,7 @@
           <p:cNvPr id="2" name="标题 1">
             <a:extLst>
               <a:ext uri="{FF2B5EF4-FFF2-40B4-BE49-F238E27FC236}">
-                <a16:creationId xmlns:a16="http://schemas.microsoft.com/office/drawing/2014/main" id="{D2D3B740-E7C4-55C0-75E1-B06DB86082F7}"/>
+                <a16:creationId xmlns:a16="http://schemas.microsoft.com/office/drawing/2014/main" id="{A8255E9C-5885-1121-FA50-5BE550A1409F}"/>
               </a:ext>
             </a:extLst>
           </p:cNvPr>
@@ -1256,7 +1256,7 @@
           <p:cNvPr id="3" name="内容占位符 2">
             <a:extLst>
               <a:ext uri="{FF2B5EF4-FFF2-40B4-BE49-F238E27FC236}">
-                <a16:creationId xmlns:a16="http://schemas.microsoft.com/office/drawing/2014/main" id="{C02B4402-BEEA-2BFD-00AB-17359D849520}"/>
+                <a16:creationId xmlns:a16="http://schemas.microsoft.com/office/drawing/2014/main" id="{25668548-9773-F865-9878-F9E37B02E591}"/>
               </a:ext>
             </a:extLst>
           </p:cNvPr>
@@ -1318,7 +1318,7 @@
           <p:cNvPr id="4" name="内容占位符 3">
             <a:extLst>
               <a:ext uri="{FF2B5EF4-FFF2-40B4-BE49-F238E27FC236}">
-                <a16:creationId xmlns:a16="http://schemas.microsoft.com/office/drawing/2014/main" id="{87FE1364-9068-83D0-41EA-0744997C00FC}"/>
+                <a16:creationId xmlns:a16="http://schemas.microsoft.com/office/drawing/2014/main" id="{9CDD280F-A527-436D-54BC-EAD3BE16A890}"/>
               </a:ext>
             </a:extLst>
           </p:cNvPr>
@@ -1380,7 +1380,7 @@
           <p:cNvPr id="5" name="日期占位符 4">
             <a:extLst>
               <a:ext uri="{FF2B5EF4-FFF2-40B4-BE49-F238E27FC236}">
-                <a16:creationId xmlns:a16="http://schemas.microsoft.com/office/drawing/2014/main" id="{ABBA48D7-F243-A49F-AC44-F8EDD06D99E9}"/>
+                <a16:creationId xmlns:a16="http://schemas.microsoft.com/office/drawing/2014/main" id="{54BD9BC4-B1A7-C54A-6B12-F23DFDAC74F0}"/>
               </a:ext>
             </a:extLst>
           </p:cNvPr>
@@ -1396,7 +1396,7 @@
           <a:bodyPr/>
           <a:lstStyle/>
           <a:p>
-            <a:fld id="{FC3DD180-9D39-4C06-8CFA-A9FA41DADEE6}" type="datetimeFigureOut">
+            <a:fld id="{E0D958A0-BABA-470A-8AEB-37B179D8FA9D}" type="datetimeFigureOut">
               <a:rPr lang="zh-CN" altLang="en-US" smtClean="0"/>
               <a:t>2024/3/10</a:t>
             </a:fld>
@@ -1409,7 +1409,7 @@
           <p:cNvPr id="6" name="页脚占位符 5">
             <a:extLst>
               <a:ext uri="{FF2B5EF4-FFF2-40B4-BE49-F238E27FC236}">
-                <a16:creationId xmlns:a16="http://schemas.microsoft.com/office/drawing/2014/main" id="{23D2D942-7756-914D-5D48-77DE41058CF6}"/>
+                <a16:creationId xmlns:a16="http://schemas.microsoft.com/office/drawing/2014/main" id="{7E7252B9-DDAB-CA3F-D03D-BD35BA665EC5}"/>
               </a:ext>
             </a:extLst>
           </p:cNvPr>
@@ -1434,7 +1434,7 @@
           <p:cNvPr id="7" name="灯片编号占位符 6">
             <a:extLst>
               <a:ext uri="{FF2B5EF4-FFF2-40B4-BE49-F238E27FC236}">
-                <a16:creationId xmlns:a16="http://schemas.microsoft.com/office/drawing/2014/main" id="{C74BA951-345A-F8F2-8E7A-824621B06AE9}"/>
+                <a16:creationId xmlns:a16="http://schemas.microsoft.com/office/drawing/2014/main" id="{6F96B39F-F545-2763-8ED2-DF6C6E4E5338}"/>
               </a:ext>
             </a:extLst>
           </p:cNvPr>
@@ -1450,7 +1450,7 @@
           <a:bodyPr/>
           <a:lstStyle/>
           <a:p>
-            <a:fld id="{2CB63444-5298-410F-A8D1-1C1C3E77945C}" type="slidenum">
+            <a:fld id="{AA977D06-95C3-4A4B-A514-7C7B8922EEF3}" type="slidenum">
               <a:rPr lang="zh-CN" altLang="en-US" smtClean="0"/>
               <a:t>‹#›</a:t>
             </a:fld>
@@ -1461,7 +1461,7 @@
     </p:spTree>
     <p:extLst>
       <p:ext uri="{BB962C8B-B14F-4D97-AF65-F5344CB8AC3E}">
-        <p14:creationId xmlns:p14="http://schemas.microsoft.com/office/powerpoint/2010/main" val="1135262041"/>
+        <p14:creationId xmlns:p14="http://schemas.microsoft.com/office/powerpoint/2010/main" val="4200145967"/>
       </p:ext>
     </p:extLst>
   </p:cSld>
@@ -1493,7 +1493,7 @@
           <p:cNvPr id="2" name="标题 1">
             <a:extLst>
               <a:ext uri="{FF2B5EF4-FFF2-40B4-BE49-F238E27FC236}">
-                <a16:creationId xmlns:a16="http://schemas.microsoft.com/office/drawing/2014/main" id="{16E74F0A-2ABE-B241-56D5-5001988549C2}"/>
+                <a16:creationId xmlns:a16="http://schemas.microsoft.com/office/drawing/2014/main" id="{25A2E027-AB5A-D54C-AF35-5A3C7F3C77B6}"/>
               </a:ext>
             </a:extLst>
           </p:cNvPr>
@@ -1526,7 +1526,7 @@
           <p:cNvPr id="3" name="文本占位符 2">
             <a:extLst>
               <a:ext uri="{FF2B5EF4-FFF2-40B4-BE49-F238E27FC236}">
-                <a16:creationId xmlns:a16="http://schemas.microsoft.com/office/drawing/2014/main" id="{495C65BD-90B0-7428-E19F-4784A7FF5BA6}"/>
+                <a16:creationId xmlns:a16="http://schemas.microsoft.com/office/drawing/2014/main" id="{EE2DA07E-B13B-2239-6380-EAA8765E4D3D}"/>
               </a:ext>
             </a:extLst>
           </p:cNvPr>
@@ -1597,7 +1597,7 @@
           <p:cNvPr id="4" name="内容占位符 3">
             <a:extLst>
               <a:ext uri="{FF2B5EF4-FFF2-40B4-BE49-F238E27FC236}">
-                <a16:creationId xmlns:a16="http://schemas.microsoft.com/office/drawing/2014/main" id="{EDAADB4F-A057-F6AB-A6A4-76D88623B66B}"/>
+                <a16:creationId xmlns:a16="http://schemas.microsoft.com/office/drawing/2014/main" id="{F60EBA98-A860-69D8-52DA-CC1FB52C71F6}"/>
               </a:ext>
             </a:extLst>
           </p:cNvPr>
@@ -1659,7 +1659,7 @@
           <p:cNvPr id="5" name="文本占位符 4">
             <a:extLst>
               <a:ext uri="{FF2B5EF4-FFF2-40B4-BE49-F238E27FC236}">
-                <a16:creationId xmlns:a16="http://schemas.microsoft.com/office/drawing/2014/main" id="{CC657654-F33A-BFA7-40CF-27CEA88E9122}"/>
+                <a16:creationId xmlns:a16="http://schemas.microsoft.com/office/drawing/2014/main" id="{18B3BA04-0FB0-156C-D2FC-3779BC5C9F25}"/>
               </a:ext>
             </a:extLst>
           </p:cNvPr>
@@ -1730,7 +1730,7 @@
           <p:cNvPr id="6" name="内容占位符 5">
             <a:extLst>
               <a:ext uri="{FF2B5EF4-FFF2-40B4-BE49-F238E27FC236}">
-                <a16:creationId xmlns:a16="http://schemas.microsoft.com/office/drawing/2014/main" id="{50A30EC1-F014-3733-082A-64A2F4C1B291}"/>
+                <a16:creationId xmlns:a16="http://schemas.microsoft.com/office/drawing/2014/main" id="{A337223B-0AFA-CDE5-0B17-B1FF9F4E3894}"/>
               </a:ext>
             </a:extLst>
           </p:cNvPr>
@@ -1792,7 +1792,7 @@
           <p:cNvPr id="7" name="日期占位符 6">
             <a:extLst>
               <a:ext uri="{FF2B5EF4-FFF2-40B4-BE49-F238E27FC236}">
-                <a16:creationId xmlns:a16="http://schemas.microsoft.com/office/drawing/2014/main" id="{E4F2E6BF-F8EC-9CCA-2157-C53D7A30902D}"/>
+                <a16:creationId xmlns:a16="http://schemas.microsoft.com/office/drawing/2014/main" id="{2F92EA4F-D591-C1DE-1649-7C1452F66074}"/>
               </a:ext>
             </a:extLst>
           </p:cNvPr>
@@ -1808,7 +1808,7 @@
           <a:bodyPr/>
           <a:lstStyle/>
           <a:p>
-            <a:fld id="{FC3DD180-9D39-4C06-8CFA-A9FA41DADEE6}" type="datetimeFigureOut">
+            <a:fld id="{E0D958A0-BABA-470A-8AEB-37B179D8FA9D}" type="datetimeFigureOut">
               <a:rPr lang="zh-CN" altLang="en-US" smtClean="0"/>
               <a:t>2024/3/10</a:t>
             </a:fld>
@@ -1821,7 +1821,7 @@
           <p:cNvPr id="8" name="页脚占位符 7">
             <a:extLst>
               <a:ext uri="{FF2B5EF4-FFF2-40B4-BE49-F238E27FC236}">
-                <a16:creationId xmlns:a16="http://schemas.microsoft.com/office/drawing/2014/main" id="{721390D8-D9B7-EAAA-01B0-59A8F98070C2}"/>
+                <a16:creationId xmlns:a16="http://schemas.microsoft.com/office/drawing/2014/main" id="{A359630E-D4F3-B6EC-0CD6-9E8F8062231A}"/>
               </a:ext>
             </a:extLst>
           </p:cNvPr>
@@ -1846,7 +1846,7 @@
           <p:cNvPr id="9" name="灯片编号占位符 8">
             <a:extLst>
               <a:ext uri="{FF2B5EF4-FFF2-40B4-BE49-F238E27FC236}">
-                <a16:creationId xmlns:a16="http://schemas.microsoft.com/office/drawing/2014/main" id="{FE417615-AD3E-96FD-0C99-4390DB451A7F}"/>
+                <a16:creationId xmlns:a16="http://schemas.microsoft.com/office/drawing/2014/main" id="{6D94B5D1-8438-AF7F-DE61-BA077524F095}"/>
               </a:ext>
             </a:extLst>
           </p:cNvPr>
@@ -1862,7 +1862,7 @@
           <a:bodyPr/>
           <a:lstStyle/>
           <a:p>
-            <a:fld id="{2CB63444-5298-410F-A8D1-1C1C3E77945C}" type="slidenum">
+            <a:fld id="{AA977D06-95C3-4A4B-A514-7C7B8922EEF3}" type="slidenum">
               <a:rPr lang="zh-CN" altLang="en-US" smtClean="0"/>
               <a:t>‹#›</a:t>
             </a:fld>
@@ -1873,7 +1873,7 @@
     </p:spTree>
     <p:extLst>
       <p:ext uri="{BB962C8B-B14F-4D97-AF65-F5344CB8AC3E}">
-        <p14:creationId xmlns:p14="http://schemas.microsoft.com/office/powerpoint/2010/main" val="2731189647"/>
+        <p14:creationId xmlns:p14="http://schemas.microsoft.com/office/powerpoint/2010/main" val="1636384604"/>
       </p:ext>
     </p:extLst>
   </p:cSld>
@@ -1905,7 +1905,7 @@
           <p:cNvPr id="2" name="标题 1">
             <a:extLst>
               <a:ext uri="{FF2B5EF4-FFF2-40B4-BE49-F238E27FC236}">
-                <a16:creationId xmlns:a16="http://schemas.microsoft.com/office/drawing/2014/main" id="{BC90D8C3-07FF-EF1D-9FDE-0E7D4847D188}"/>
+                <a16:creationId xmlns:a16="http://schemas.microsoft.com/office/drawing/2014/main" id="{1063BAD9-CB01-9974-9B0A-905E3094D2F6}"/>
               </a:ext>
             </a:extLst>
           </p:cNvPr>
@@ -1933,7 +1933,7 @@
           <p:cNvPr id="3" name="日期占位符 2">
             <a:extLst>
               <a:ext uri="{FF2B5EF4-FFF2-40B4-BE49-F238E27FC236}">
-                <a16:creationId xmlns:a16="http://schemas.microsoft.com/office/drawing/2014/main" id="{086D66FA-62DF-899A-C9A7-75CF7BDEF153}"/>
+                <a16:creationId xmlns:a16="http://schemas.microsoft.com/office/drawing/2014/main" id="{32819137-2CC6-FEA0-8FCD-37CA040117B9}"/>
               </a:ext>
             </a:extLst>
           </p:cNvPr>
@@ -1949,7 +1949,7 @@
           <a:bodyPr/>
           <a:lstStyle/>
           <a:p>
-            <a:fld id="{FC3DD180-9D39-4C06-8CFA-A9FA41DADEE6}" type="datetimeFigureOut">
+            <a:fld id="{E0D958A0-BABA-470A-8AEB-37B179D8FA9D}" type="datetimeFigureOut">
               <a:rPr lang="zh-CN" altLang="en-US" smtClean="0"/>
               <a:t>2024/3/10</a:t>
             </a:fld>
@@ -1962,7 +1962,7 @@
           <p:cNvPr id="4" name="页脚占位符 3">
             <a:extLst>
               <a:ext uri="{FF2B5EF4-FFF2-40B4-BE49-F238E27FC236}">
-                <a16:creationId xmlns:a16="http://schemas.microsoft.com/office/drawing/2014/main" id="{7EB3E964-6960-6A32-91AE-1B85B28EDA13}"/>
+                <a16:creationId xmlns:a16="http://schemas.microsoft.com/office/drawing/2014/main" id="{85AA2249-69A6-66CD-3C58-EE379D55CEEF}"/>
               </a:ext>
             </a:extLst>
           </p:cNvPr>
@@ -1987,7 +1987,7 @@
           <p:cNvPr id="5" name="灯片编号占位符 4">
             <a:extLst>
               <a:ext uri="{FF2B5EF4-FFF2-40B4-BE49-F238E27FC236}">
-                <a16:creationId xmlns:a16="http://schemas.microsoft.com/office/drawing/2014/main" id="{40B06D82-D246-7D64-D2A0-24CF0004EEAC}"/>
+                <a16:creationId xmlns:a16="http://schemas.microsoft.com/office/drawing/2014/main" id="{B5F6CF66-CB41-CEFA-756D-DEAB3C23B0A1}"/>
               </a:ext>
             </a:extLst>
           </p:cNvPr>
@@ -2003,7 +2003,7 @@
           <a:bodyPr/>
           <a:lstStyle/>
           <a:p>
-            <a:fld id="{2CB63444-5298-410F-A8D1-1C1C3E77945C}" type="slidenum">
+            <a:fld id="{AA977D06-95C3-4A4B-A514-7C7B8922EEF3}" type="slidenum">
               <a:rPr lang="zh-CN" altLang="en-US" smtClean="0"/>
               <a:t>‹#›</a:t>
             </a:fld>
@@ -2014,7 +2014,7 @@
     </p:spTree>
     <p:extLst>
       <p:ext uri="{BB962C8B-B14F-4D97-AF65-F5344CB8AC3E}">
-        <p14:creationId xmlns:p14="http://schemas.microsoft.com/office/powerpoint/2010/main" val="3411794061"/>
+        <p14:creationId xmlns:p14="http://schemas.microsoft.com/office/powerpoint/2010/main" val="2957991061"/>
       </p:ext>
     </p:extLst>
   </p:cSld>
@@ -2046,7 +2046,7 @@
           <p:cNvPr id="2" name="日期占位符 1">
             <a:extLst>
               <a:ext uri="{FF2B5EF4-FFF2-40B4-BE49-F238E27FC236}">
-                <a16:creationId xmlns:a16="http://schemas.microsoft.com/office/drawing/2014/main" id="{1061A8A2-CE14-B67F-2700-9CEC32A4FF84}"/>
+                <a16:creationId xmlns:a16="http://schemas.microsoft.com/office/drawing/2014/main" id="{B321450B-CF4F-FF40-002E-5A3F23B5B28E}"/>
               </a:ext>
             </a:extLst>
           </p:cNvPr>
@@ -2062,7 +2062,7 @@
           <a:bodyPr/>
           <a:lstStyle/>
           <a:p>
-            <a:fld id="{FC3DD180-9D39-4C06-8CFA-A9FA41DADEE6}" type="datetimeFigureOut">
+            <a:fld id="{E0D958A0-BABA-470A-8AEB-37B179D8FA9D}" type="datetimeFigureOut">
               <a:rPr lang="zh-CN" altLang="en-US" smtClean="0"/>
               <a:t>2024/3/10</a:t>
             </a:fld>
@@ -2075,7 +2075,7 @@
           <p:cNvPr id="3" name="页脚占位符 2">
             <a:extLst>
               <a:ext uri="{FF2B5EF4-FFF2-40B4-BE49-F238E27FC236}">
-                <a16:creationId xmlns:a16="http://schemas.microsoft.com/office/drawing/2014/main" id="{5C3A26E2-648A-1C16-06DE-CEED8B4AE400}"/>
+                <a16:creationId xmlns:a16="http://schemas.microsoft.com/office/drawing/2014/main" id="{FEB51C3C-583B-F1F9-8C3C-C17D8079611A}"/>
               </a:ext>
             </a:extLst>
           </p:cNvPr>
@@ -2100,7 +2100,7 @@
           <p:cNvPr id="4" name="灯片编号占位符 3">
             <a:extLst>
               <a:ext uri="{FF2B5EF4-FFF2-40B4-BE49-F238E27FC236}">
-                <a16:creationId xmlns:a16="http://schemas.microsoft.com/office/drawing/2014/main" id="{CD232968-A77E-C625-70A3-822B2792808B}"/>
+                <a16:creationId xmlns:a16="http://schemas.microsoft.com/office/drawing/2014/main" id="{B8F3FC78-A9A7-203B-11C0-E62C35BA6F56}"/>
               </a:ext>
             </a:extLst>
           </p:cNvPr>
@@ -2116,7 +2116,7 @@
           <a:bodyPr/>
           <a:lstStyle/>
           <a:p>
-            <a:fld id="{2CB63444-5298-410F-A8D1-1C1C3E77945C}" type="slidenum">
+            <a:fld id="{AA977D06-95C3-4A4B-A514-7C7B8922EEF3}" type="slidenum">
               <a:rPr lang="zh-CN" altLang="en-US" smtClean="0"/>
               <a:t>‹#›</a:t>
             </a:fld>
@@ -2127,7 +2127,7 @@
     </p:spTree>
     <p:extLst>
       <p:ext uri="{BB962C8B-B14F-4D97-AF65-F5344CB8AC3E}">
-        <p14:creationId xmlns:p14="http://schemas.microsoft.com/office/powerpoint/2010/main" val="838729574"/>
+        <p14:creationId xmlns:p14="http://schemas.microsoft.com/office/powerpoint/2010/main" val="819207983"/>
       </p:ext>
     </p:extLst>
   </p:cSld>
@@ -2159,7 +2159,7 @@
           <p:cNvPr id="2" name="标题 1">
             <a:extLst>
               <a:ext uri="{FF2B5EF4-FFF2-40B4-BE49-F238E27FC236}">
-                <a16:creationId xmlns:a16="http://schemas.microsoft.com/office/drawing/2014/main" id="{B6E6B4A0-29F8-16DD-8C1C-3CFC79524A32}"/>
+                <a16:creationId xmlns:a16="http://schemas.microsoft.com/office/drawing/2014/main" id="{B2861004-D5B9-F51F-19A6-DD54BD01D1E6}"/>
               </a:ext>
             </a:extLst>
           </p:cNvPr>
@@ -2196,7 +2196,7 @@
           <p:cNvPr id="3" name="内容占位符 2">
             <a:extLst>
               <a:ext uri="{FF2B5EF4-FFF2-40B4-BE49-F238E27FC236}">
-                <a16:creationId xmlns:a16="http://schemas.microsoft.com/office/drawing/2014/main" id="{DDA934A7-30C7-EC73-C3FD-78C5F3E19E38}"/>
+                <a16:creationId xmlns:a16="http://schemas.microsoft.com/office/drawing/2014/main" id="{E2F23991-AF8D-F273-FF17-4428EF084B72}"/>
               </a:ext>
             </a:extLst>
           </p:cNvPr>
@@ -2286,7 +2286,7 @@
           <p:cNvPr id="4" name="文本占位符 3">
             <a:extLst>
               <a:ext uri="{FF2B5EF4-FFF2-40B4-BE49-F238E27FC236}">
-                <a16:creationId xmlns:a16="http://schemas.microsoft.com/office/drawing/2014/main" id="{4490CDCA-328F-025C-096F-2ACA5395F66B}"/>
+                <a16:creationId xmlns:a16="http://schemas.microsoft.com/office/drawing/2014/main" id="{7CE963B9-D69E-6579-39A6-73D38CE8CD1A}"/>
               </a:ext>
             </a:extLst>
           </p:cNvPr>
@@ -2357,7 +2357,7 @@
           <p:cNvPr id="5" name="日期占位符 4">
             <a:extLst>
               <a:ext uri="{FF2B5EF4-FFF2-40B4-BE49-F238E27FC236}">
-                <a16:creationId xmlns:a16="http://schemas.microsoft.com/office/drawing/2014/main" id="{92C3878D-914C-EE96-9762-87C8AAD4F5EA}"/>
+                <a16:creationId xmlns:a16="http://schemas.microsoft.com/office/drawing/2014/main" id="{CD0F08A8-FB89-B527-8DFE-8A426D3EF6C8}"/>
               </a:ext>
             </a:extLst>
           </p:cNvPr>
@@ -2373,7 +2373,7 @@
           <a:bodyPr/>
           <a:lstStyle/>
           <a:p>
-            <a:fld id="{FC3DD180-9D39-4C06-8CFA-A9FA41DADEE6}" type="datetimeFigureOut">
+            <a:fld id="{E0D958A0-BABA-470A-8AEB-37B179D8FA9D}" type="datetimeFigureOut">
               <a:rPr lang="zh-CN" altLang="en-US" smtClean="0"/>
               <a:t>2024/3/10</a:t>
             </a:fld>
@@ -2386,7 +2386,7 @@
           <p:cNvPr id="6" name="页脚占位符 5">
             <a:extLst>
               <a:ext uri="{FF2B5EF4-FFF2-40B4-BE49-F238E27FC236}">
-                <a16:creationId xmlns:a16="http://schemas.microsoft.com/office/drawing/2014/main" id="{768939C2-2532-CBAC-2FF5-ADFF40B3FCFF}"/>
+                <a16:creationId xmlns:a16="http://schemas.microsoft.com/office/drawing/2014/main" id="{CB1E08D7-0618-A277-CD2E-C419E2DC1AC2}"/>
               </a:ext>
             </a:extLst>
           </p:cNvPr>
@@ -2411,7 +2411,7 @@
           <p:cNvPr id="7" name="灯片编号占位符 6">
             <a:extLst>
               <a:ext uri="{FF2B5EF4-FFF2-40B4-BE49-F238E27FC236}">
-                <a16:creationId xmlns:a16="http://schemas.microsoft.com/office/drawing/2014/main" id="{40D287A5-DD44-47A4-FC28-474568A0BC79}"/>
+                <a16:creationId xmlns:a16="http://schemas.microsoft.com/office/drawing/2014/main" id="{6BE160D3-5C30-BB23-09DE-9F52D29833DF}"/>
               </a:ext>
             </a:extLst>
           </p:cNvPr>
@@ -2427,7 +2427,7 @@
           <a:bodyPr/>
           <a:lstStyle/>
           <a:p>
-            <a:fld id="{2CB63444-5298-410F-A8D1-1C1C3E77945C}" type="slidenum">
+            <a:fld id="{AA977D06-95C3-4A4B-A514-7C7B8922EEF3}" type="slidenum">
               <a:rPr lang="zh-CN" altLang="en-US" smtClean="0"/>
               <a:t>‹#›</a:t>
             </a:fld>
@@ -2438,7 +2438,7 @@
     </p:spTree>
     <p:extLst>
       <p:ext uri="{BB962C8B-B14F-4D97-AF65-F5344CB8AC3E}">
-        <p14:creationId xmlns:p14="http://schemas.microsoft.com/office/powerpoint/2010/main" val="1968632924"/>
+        <p14:creationId xmlns:p14="http://schemas.microsoft.com/office/powerpoint/2010/main" val="1870921912"/>
       </p:ext>
     </p:extLst>
   </p:cSld>
@@ -2470,7 +2470,7 @@
           <p:cNvPr id="2" name="标题 1">
             <a:extLst>
               <a:ext uri="{FF2B5EF4-FFF2-40B4-BE49-F238E27FC236}">
-                <a16:creationId xmlns:a16="http://schemas.microsoft.com/office/drawing/2014/main" id="{66D5A0D1-C43C-A720-856B-F3B4AD3DC5A0}"/>
+                <a16:creationId xmlns:a16="http://schemas.microsoft.com/office/drawing/2014/main" id="{4F621B15-91E2-4450-1444-899FFD66636A}"/>
               </a:ext>
             </a:extLst>
           </p:cNvPr>
@@ -2507,7 +2507,7 @@
           <p:cNvPr id="3" name="图片占位符 2">
             <a:extLst>
               <a:ext uri="{FF2B5EF4-FFF2-40B4-BE49-F238E27FC236}">
-                <a16:creationId xmlns:a16="http://schemas.microsoft.com/office/drawing/2014/main" id="{956130DE-F4AF-6C9E-D59F-F53021938EAB}"/>
+                <a16:creationId xmlns:a16="http://schemas.microsoft.com/office/drawing/2014/main" id="{807C354D-8CFA-D564-A4A6-8DF765EA1334}"/>
               </a:ext>
             </a:extLst>
           </p:cNvPr>
@@ -2574,7 +2574,7 @@
           <p:cNvPr id="4" name="文本占位符 3">
             <a:extLst>
               <a:ext uri="{FF2B5EF4-FFF2-40B4-BE49-F238E27FC236}">
-                <a16:creationId xmlns:a16="http://schemas.microsoft.com/office/drawing/2014/main" id="{618661C4-7C0E-080B-3487-C1DF3AFB2297}"/>
+                <a16:creationId xmlns:a16="http://schemas.microsoft.com/office/drawing/2014/main" id="{3FEC021B-9580-5822-5A13-51CFC3274938}"/>
               </a:ext>
             </a:extLst>
           </p:cNvPr>
@@ -2645,7 +2645,7 @@
           <p:cNvPr id="5" name="日期占位符 4">
             <a:extLst>
               <a:ext uri="{FF2B5EF4-FFF2-40B4-BE49-F238E27FC236}">
-                <a16:creationId xmlns:a16="http://schemas.microsoft.com/office/drawing/2014/main" id="{A7F001E4-412B-08DC-4D07-6C991010DAB2}"/>
+                <a16:creationId xmlns:a16="http://schemas.microsoft.com/office/drawing/2014/main" id="{48492ECB-CD98-7537-0146-115E90D724CE}"/>
               </a:ext>
             </a:extLst>
           </p:cNvPr>
@@ -2661,7 +2661,7 @@
           <a:bodyPr/>
           <a:lstStyle/>
           <a:p>
-            <a:fld id="{FC3DD180-9D39-4C06-8CFA-A9FA41DADEE6}" type="datetimeFigureOut">
+            <a:fld id="{E0D958A0-BABA-470A-8AEB-37B179D8FA9D}" type="datetimeFigureOut">
               <a:rPr lang="zh-CN" altLang="en-US" smtClean="0"/>
               <a:t>2024/3/10</a:t>
             </a:fld>
@@ -2674,7 +2674,7 @@
           <p:cNvPr id="6" name="页脚占位符 5">
             <a:extLst>
               <a:ext uri="{FF2B5EF4-FFF2-40B4-BE49-F238E27FC236}">
-                <a16:creationId xmlns:a16="http://schemas.microsoft.com/office/drawing/2014/main" id="{AAD10612-76C2-1BBC-47ED-84E6A65C6375}"/>
+                <a16:creationId xmlns:a16="http://schemas.microsoft.com/office/drawing/2014/main" id="{49F418C1-5A7E-55B6-E4E4-972BBB6D9DFF}"/>
               </a:ext>
             </a:extLst>
           </p:cNvPr>
@@ -2699,7 +2699,7 @@
           <p:cNvPr id="7" name="灯片编号占位符 6">
             <a:extLst>
               <a:ext uri="{FF2B5EF4-FFF2-40B4-BE49-F238E27FC236}">
-                <a16:creationId xmlns:a16="http://schemas.microsoft.com/office/drawing/2014/main" id="{F143E147-0B4E-7AF4-6AED-5D1931975B83}"/>
+                <a16:creationId xmlns:a16="http://schemas.microsoft.com/office/drawing/2014/main" id="{9D07C33F-5B32-100D-586C-4500782D9F45}"/>
               </a:ext>
             </a:extLst>
           </p:cNvPr>
@@ -2715,7 +2715,7 @@
           <a:bodyPr/>
           <a:lstStyle/>
           <a:p>
-            <a:fld id="{2CB63444-5298-410F-A8D1-1C1C3E77945C}" type="slidenum">
+            <a:fld id="{AA977D06-95C3-4A4B-A514-7C7B8922EEF3}" type="slidenum">
               <a:rPr lang="zh-CN" altLang="en-US" smtClean="0"/>
               <a:t>‹#›</a:t>
             </a:fld>
@@ -2726,7 +2726,7 @@
     </p:spTree>
     <p:extLst>
       <p:ext uri="{BB962C8B-B14F-4D97-AF65-F5344CB8AC3E}">
-        <p14:creationId xmlns:p14="http://schemas.microsoft.com/office/powerpoint/2010/main" val="742525366"/>
+        <p14:creationId xmlns:p14="http://schemas.microsoft.com/office/powerpoint/2010/main" val="1346982070"/>
       </p:ext>
     </p:extLst>
   </p:cSld>
@@ -2763,7 +2763,7 @@
           <p:cNvPr id="2" name="标题占位符 1">
             <a:extLst>
               <a:ext uri="{FF2B5EF4-FFF2-40B4-BE49-F238E27FC236}">
-                <a16:creationId xmlns:a16="http://schemas.microsoft.com/office/drawing/2014/main" id="{35C41536-24B8-2787-DB00-8CC41F48B4F1}"/>
+                <a16:creationId xmlns:a16="http://schemas.microsoft.com/office/drawing/2014/main" id="{73B18B7C-833E-836C-711D-A52A5F851BF5}"/>
               </a:ext>
             </a:extLst>
           </p:cNvPr>
@@ -2801,7 +2801,7 @@
           <p:cNvPr id="3" name="文本占位符 2">
             <a:extLst>
               <a:ext uri="{FF2B5EF4-FFF2-40B4-BE49-F238E27FC236}">
-                <a16:creationId xmlns:a16="http://schemas.microsoft.com/office/drawing/2014/main" id="{5AE1A54A-C51C-0FA0-5F7C-E3ADFC243BA5}"/>
+                <a16:creationId xmlns:a16="http://schemas.microsoft.com/office/drawing/2014/main" id="{ADC56262-5F75-DD5F-B505-31DAE5AE7089}"/>
               </a:ext>
             </a:extLst>
           </p:cNvPr>
@@ -2868,7 +2868,7 @@
           <p:cNvPr id="4" name="日期占位符 3">
             <a:extLst>
               <a:ext uri="{FF2B5EF4-FFF2-40B4-BE49-F238E27FC236}">
-                <a16:creationId xmlns:a16="http://schemas.microsoft.com/office/drawing/2014/main" id="{DB50C892-CCCC-0DB7-E91D-9AD8DD0664E5}"/>
+                <a16:creationId xmlns:a16="http://schemas.microsoft.com/office/drawing/2014/main" id="{C2259414-C922-06BC-E08F-7D13F1F31078}"/>
               </a:ext>
             </a:extLst>
           </p:cNvPr>
@@ -2902,7 +2902,7 @@
             </a:lvl1pPr>
           </a:lstStyle>
           <a:p>
-            <a:fld id="{FC3DD180-9D39-4C06-8CFA-A9FA41DADEE6}" type="datetimeFigureOut">
+            <a:fld id="{E0D958A0-BABA-470A-8AEB-37B179D8FA9D}" type="datetimeFigureOut">
               <a:rPr lang="zh-CN" altLang="en-US" smtClean="0"/>
               <a:t>2024/3/10</a:t>
             </a:fld>
@@ -2915,7 +2915,7 @@
           <p:cNvPr id="5" name="页脚占位符 4">
             <a:extLst>
               <a:ext uri="{FF2B5EF4-FFF2-40B4-BE49-F238E27FC236}">
-                <a16:creationId xmlns:a16="http://schemas.microsoft.com/office/drawing/2014/main" id="{2487D80E-3D38-1366-E763-2EC6FAE76018}"/>
+                <a16:creationId xmlns:a16="http://schemas.microsoft.com/office/drawing/2014/main" id="{27A90847-9965-7CBD-DB0B-BB0683F3EEC1}"/>
               </a:ext>
             </a:extLst>
           </p:cNvPr>
@@ -2958,7 +2958,7 @@
           <p:cNvPr id="6" name="灯片编号占位符 5">
             <a:extLst>
               <a:ext uri="{FF2B5EF4-FFF2-40B4-BE49-F238E27FC236}">
-                <a16:creationId xmlns:a16="http://schemas.microsoft.com/office/drawing/2014/main" id="{859D3188-F91B-8713-BFDE-8CCC08823A1D}"/>
+                <a16:creationId xmlns:a16="http://schemas.microsoft.com/office/drawing/2014/main" id="{31C11946-99EC-04C5-F4BB-3D0C3A977934}"/>
               </a:ext>
             </a:extLst>
           </p:cNvPr>
@@ -2992,7 +2992,7 @@
             </a:lvl1pPr>
           </a:lstStyle>
           <a:p>
-            <a:fld id="{2CB63444-5298-410F-A8D1-1C1C3E77945C}" type="slidenum">
+            <a:fld id="{AA977D06-95C3-4A4B-A514-7C7B8922EEF3}" type="slidenum">
               <a:rPr lang="zh-CN" altLang="en-US" smtClean="0"/>
               <a:t>‹#›</a:t>
             </a:fld>
@@ -3003,7 +3003,7 @@
     </p:spTree>
     <p:extLst>
       <p:ext uri="{BB962C8B-B14F-4D97-AF65-F5344CB8AC3E}">
-        <p14:creationId xmlns:p14="http://schemas.microsoft.com/office/powerpoint/2010/main" val="573118995"/>
+        <p14:creationId xmlns:p14="http://schemas.microsoft.com/office/powerpoint/2010/main" val="2950382915"/>
       </p:ext>
     </p:extLst>
   </p:cSld>
@@ -3323,7 +3323,7 @@
       </p:grpSpPr>
       <p:pic>
         <p:nvPicPr>
-          <p:cNvPr id="1483778" name="Picture 2" descr="1448"/>
+          <p:cNvPr id="1484802" name="Picture 2" descr="1449"/>
           <p:cNvPicPr>
             <a:picLocks noChangeAspect="1" noChangeArrowheads="1"/>
           </p:cNvPicPr>
@@ -3344,8 +3344,8 @@
         </p:blipFill>
         <p:spPr bwMode="auto">
           <a:xfrm>
-            <a:off x="1524000" y="0"/>
-            <a:ext cx="9144000" cy="4508500"/>
+            <a:off x="1524000" y="1"/>
+            <a:ext cx="9144000" cy="4365625"/>
           </a:xfrm>
           <a:prstGeom prst="rect">
             <a:avLst/>
